--- a/Documentação/HLD.pptx
+++ b/Documentação/HLD.pptx
@@ -602,7 +602,7 @@
           <a:p>
             <a:fld id="{565439DD-1E02-4381-9630-D920AFB800F1}" type="datetimeFigureOut">
               <a:rPr lang="pt-BR" smtClean="0"/>
-              <a:t>03/10/2020</a:t>
+              <a:t>17/10/2020</a:t>
             </a:fld>
             <a:endParaRPr lang="pt-BR"/>
           </a:p>
@@ -656,7 +656,7 @@
           <a:p>
             <a:fld id="{8E047BDC-C747-4822-A3C9-18AD633AE9D4}" type="slidenum">
               <a:rPr lang="pt-BR" smtClean="0"/>
-              <a:t>‹#›</a:t>
+              <a:t>‹nº›</a:t>
             </a:fld>
             <a:endParaRPr lang="pt-BR"/>
           </a:p>
@@ -800,7 +800,7 @@
           <a:p>
             <a:fld id="{565439DD-1E02-4381-9630-D920AFB800F1}" type="datetimeFigureOut">
               <a:rPr lang="pt-BR" smtClean="0"/>
-              <a:t>03/10/2020</a:t>
+              <a:t>17/10/2020</a:t>
             </a:fld>
             <a:endParaRPr lang="pt-BR"/>
           </a:p>
@@ -854,7 +854,7 @@
           <a:p>
             <a:fld id="{8E047BDC-C747-4822-A3C9-18AD633AE9D4}" type="slidenum">
               <a:rPr lang="pt-BR" smtClean="0"/>
-              <a:t>‹#›</a:t>
+              <a:t>‹nº›</a:t>
             </a:fld>
             <a:endParaRPr lang="pt-BR"/>
           </a:p>
@@ -1008,7 +1008,7 @@
           <a:p>
             <a:fld id="{565439DD-1E02-4381-9630-D920AFB800F1}" type="datetimeFigureOut">
               <a:rPr lang="pt-BR" smtClean="0"/>
-              <a:t>03/10/2020</a:t>
+              <a:t>17/10/2020</a:t>
             </a:fld>
             <a:endParaRPr lang="pt-BR"/>
           </a:p>
@@ -1062,7 +1062,7 @@
           <a:p>
             <a:fld id="{8E047BDC-C747-4822-A3C9-18AD633AE9D4}" type="slidenum">
               <a:rPr lang="pt-BR" smtClean="0"/>
-              <a:t>‹#›</a:t>
+              <a:t>‹nº›</a:t>
             </a:fld>
             <a:endParaRPr lang="pt-BR"/>
           </a:p>
@@ -1206,7 +1206,7 @@
           <a:p>
             <a:fld id="{565439DD-1E02-4381-9630-D920AFB800F1}" type="datetimeFigureOut">
               <a:rPr lang="pt-BR" smtClean="0"/>
-              <a:t>03/10/2020</a:t>
+              <a:t>17/10/2020</a:t>
             </a:fld>
             <a:endParaRPr lang="pt-BR"/>
           </a:p>
@@ -1260,7 +1260,7 @@
           <a:p>
             <a:fld id="{8E047BDC-C747-4822-A3C9-18AD633AE9D4}" type="slidenum">
               <a:rPr lang="pt-BR" smtClean="0"/>
-              <a:t>‹#›</a:t>
+              <a:t>‹nº›</a:t>
             </a:fld>
             <a:endParaRPr lang="pt-BR"/>
           </a:p>
@@ -1481,7 +1481,7 @@
           <a:p>
             <a:fld id="{565439DD-1E02-4381-9630-D920AFB800F1}" type="datetimeFigureOut">
               <a:rPr lang="pt-BR" smtClean="0"/>
-              <a:t>03/10/2020</a:t>
+              <a:t>17/10/2020</a:t>
             </a:fld>
             <a:endParaRPr lang="pt-BR"/>
           </a:p>
@@ -1535,7 +1535,7 @@
           <a:p>
             <a:fld id="{8E047BDC-C747-4822-A3C9-18AD633AE9D4}" type="slidenum">
               <a:rPr lang="pt-BR" smtClean="0"/>
-              <a:t>‹#›</a:t>
+              <a:t>‹nº›</a:t>
             </a:fld>
             <a:endParaRPr lang="pt-BR"/>
           </a:p>
@@ -1746,7 +1746,7 @@
           <a:p>
             <a:fld id="{565439DD-1E02-4381-9630-D920AFB800F1}" type="datetimeFigureOut">
               <a:rPr lang="pt-BR" smtClean="0"/>
-              <a:t>03/10/2020</a:t>
+              <a:t>17/10/2020</a:t>
             </a:fld>
             <a:endParaRPr lang="pt-BR"/>
           </a:p>
@@ -1800,7 +1800,7 @@
           <a:p>
             <a:fld id="{8E047BDC-C747-4822-A3C9-18AD633AE9D4}" type="slidenum">
               <a:rPr lang="pt-BR" smtClean="0"/>
-              <a:t>‹#›</a:t>
+              <a:t>‹nº›</a:t>
             </a:fld>
             <a:endParaRPr lang="pt-BR"/>
           </a:p>
@@ -2158,7 +2158,7 @@
           <a:p>
             <a:fld id="{565439DD-1E02-4381-9630-D920AFB800F1}" type="datetimeFigureOut">
               <a:rPr lang="pt-BR" smtClean="0"/>
-              <a:t>03/10/2020</a:t>
+              <a:t>17/10/2020</a:t>
             </a:fld>
             <a:endParaRPr lang="pt-BR"/>
           </a:p>
@@ -2212,7 +2212,7 @@
           <a:p>
             <a:fld id="{8E047BDC-C747-4822-A3C9-18AD633AE9D4}" type="slidenum">
               <a:rPr lang="pt-BR" smtClean="0"/>
-              <a:t>‹#›</a:t>
+              <a:t>‹nº›</a:t>
             </a:fld>
             <a:endParaRPr lang="pt-BR"/>
           </a:p>
@@ -2299,7 +2299,7 @@
           <a:p>
             <a:fld id="{565439DD-1E02-4381-9630-D920AFB800F1}" type="datetimeFigureOut">
               <a:rPr lang="pt-BR" smtClean="0"/>
-              <a:t>03/10/2020</a:t>
+              <a:t>17/10/2020</a:t>
             </a:fld>
             <a:endParaRPr lang="pt-BR"/>
           </a:p>
@@ -2353,7 +2353,7 @@
           <a:p>
             <a:fld id="{8E047BDC-C747-4822-A3C9-18AD633AE9D4}" type="slidenum">
               <a:rPr lang="pt-BR" smtClean="0"/>
-              <a:t>‹#›</a:t>
+              <a:t>‹nº›</a:t>
             </a:fld>
             <a:endParaRPr lang="pt-BR"/>
           </a:p>
@@ -2412,7 +2412,7 @@
           <a:p>
             <a:fld id="{565439DD-1E02-4381-9630-D920AFB800F1}" type="datetimeFigureOut">
               <a:rPr lang="pt-BR" smtClean="0"/>
-              <a:t>03/10/2020</a:t>
+              <a:t>17/10/2020</a:t>
             </a:fld>
             <a:endParaRPr lang="pt-BR"/>
           </a:p>
@@ -2466,7 +2466,7 @@
           <a:p>
             <a:fld id="{8E047BDC-C747-4822-A3C9-18AD633AE9D4}" type="slidenum">
               <a:rPr lang="pt-BR" smtClean="0"/>
-              <a:t>‹#›</a:t>
+              <a:t>‹nº›</a:t>
             </a:fld>
             <a:endParaRPr lang="pt-BR"/>
           </a:p>
@@ -2723,7 +2723,7 @@
           <a:p>
             <a:fld id="{565439DD-1E02-4381-9630-D920AFB800F1}" type="datetimeFigureOut">
               <a:rPr lang="pt-BR" smtClean="0"/>
-              <a:t>03/10/2020</a:t>
+              <a:t>17/10/2020</a:t>
             </a:fld>
             <a:endParaRPr lang="pt-BR"/>
           </a:p>
@@ -2777,7 +2777,7 @@
           <a:p>
             <a:fld id="{8E047BDC-C747-4822-A3C9-18AD633AE9D4}" type="slidenum">
               <a:rPr lang="pt-BR" smtClean="0"/>
-              <a:t>‹#›</a:t>
+              <a:t>‹nº›</a:t>
             </a:fld>
             <a:endParaRPr lang="pt-BR"/>
           </a:p>
@@ -3011,7 +3011,7 @@
           <a:p>
             <a:fld id="{565439DD-1E02-4381-9630-D920AFB800F1}" type="datetimeFigureOut">
               <a:rPr lang="pt-BR" smtClean="0"/>
-              <a:t>03/10/2020</a:t>
+              <a:t>17/10/2020</a:t>
             </a:fld>
             <a:endParaRPr lang="pt-BR"/>
           </a:p>
@@ -3065,7 +3065,7 @@
           <a:p>
             <a:fld id="{8E047BDC-C747-4822-A3C9-18AD633AE9D4}" type="slidenum">
               <a:rPr lang="pt-BR" smtClean="0"/>
-              <a:t>‹#›</a:t>
+              <a:t>‹nº›</a:t>
             </a:fld>
             <a:endParaRPr lang="pt-BR"/>
           </a:p>
@@ -3282,7 +3282,7 @@
           <a:p>
             <a:fld id="{565439DD-1E02-4381-9630-D920AFB800F1}" type="datetimeFigureOut">
               <a:rPr lang="pt-BR" smtClean="0"/>
-              <a:t>03/10/2020</a:t>
+              <a:t>17/10/2020</a:t>
             </a:fld>
             <a:endParaRPr lang="pt-BR"/>
           </a:p>
@@ -3372,7 +3372,7 @@
           <a:p>
             <a:fld id="{8E047BDC-C747-4822-A3C9-18AD633AE9D4}" type="slidenum">
               <a:rPr lang="pt-BR" smtClean="0"/>
-              <a:t>‹#›</a:t>
+              <a:t>‹nº›</a:t>
             </a:fld>
             <a:endParaRPr lang="pt-BR"/>
           </a:p>
@@ -3690,7 +3690,7 @@
         <a:gradFill flip="none" rotWithShape="1">
           <a:gsLst>
             <a:gs pos="100000">
-              <a:srgbClr val="002060"/>
+              <a:srgbClr val="081A39"/>
             </a:gs>
             <a:gs pos="100000">
               <a:schemeClr val="accent1">
@@ -3725,92 +3725,6 @@
           <a:chExt cx="0" cy="0"/>
         </a:xfrm>
       </p:grpSpPr>
-      <p:sp>
-        <p:nvSpPr>
-          <p:cNvPr id="4" name="Triângulo Retângulo 3"/>
-          <p:cNvSpPr/>
-          <p:nvPr/>
-        </p:nvSpPr>
-        <p:spPr>
-          <a:xfrm>
-            <a:off x="0" y="5361709"/>
-            <a:ext cx="1482436" cy="1496291"/>
-          </a:xfrm>
-          <a:prstGeom prst="rtTriangle">
-            <a:avLst/>
-          </a:prstGeom>
-          <a:solidFill>
-            <a:schemeClr val="bg1"/>
-          </a:solidFill>
-        </p:spPr>
-        <p:style>
-          <a:lnRef idx="2">
-            <a:schemeClr val="accent1">
-              <a:shade val="50000"/>
-            </a:schemeClr>
-          </a:lnRef>
-          <a:fillRef idx="1">
-            <a:schemeClr val="accent1"/>
-          </a:fillRef>
-          <a:effectRef idx="0">
-            <a:schemeClr val="accent1"/>
-          </a:effectRef>
-          <a:fontRef idx="minor">
-            <a:schemeClr val="lt1"/>
-          </a:fontRef>
-        </p:style>
-        <p:txBody>
-          <a:bodyPr rtlCol="0" anchor="ctr"/>
-          <a:lstStyle/>
-          <a:p>
-            <a:pPr algn="ctr"/>
-            <a:endParaRPr lang="pt-BR"/>
-          </a:p>
-        </p:txBody>
-      </p:sp>
-      <p:sp>
-        <p:nvSpPr>
-          <p:cNvPr id="5" name="Triângulo Retângulo 4"/>
-          <p:cNvSpPr/>
-          <p:nvPr/>
-        </p:nvSpPr>
-        <p:spPr>
-          <a:xfrm rot="10800000">
-            <a:off x="10709564" y="0"/>
-            <a:ext cx="1482436" cy="1496291"/>
-          </a:xfrm>
-          <a:prstGeom prst="rtTriangle">
-            <a:avLst/>
-          </a:prstGeom>
-          <a:solidFill>
-            <a:schemeClr val="bg1"/>
-          </a:solidFill>
-        </p:spPr>
-        <p:style>
-          <a:lnRef idx="2">
-            <a:schemeClr val="accent1">
-              <a:shade val="50000"/>
-            </a:schemeClr>
-          </a:lnRef>
-          <a:fillRef idx="1">
-            <a:schemeClr val="accent1"/>
-          </a:fillRef>
-          <a:effectRef idx="0">
-            <a:schemeClr val="accent1"/>
-          </a:effectRef>
-          <a:fontRef idx="minor">
-            <a:schemeClr val="lt1"/>
-          </a:fontRef>
-        </p:style>
-        <p:txBody>
-          <a:bodyPr rtlCol="0" anchor="ctr"/>
-          <a:lstStyle/>
-          <a:p>
-            <a:pPr algn="ctr"/>
-            <a:endParaRPr lang="pt-BR"/>
-          </a:p>
-        </p:txBody>
-      </p:sp>
       <p:pic>
         <p:nvPicPr>
           <p:cNvPr id="6" name="Imagem 5"/>
@@ -6305,7 +6219,7 @@
         </p:nvGrpSpPr>
         <p:grpSpPr>
           <a:xfrm>
-            <a:off x="842388" y="5581896"/>
+            <a:off x="873238" y="5280994"/>
             <a:ext cx="845127" cy="648988"/>
             <a:chOff x="3804623" y="931514"/>
             <a:chExt cx="4311631" cy="3283920"/>
@@ -6604,7 +6518,7 @@
         </p:nvGrpSpPr>
         <p:grpSpPr>
           <a:xfrm>
-            <a:off x="3045261" y="5609117"/>
+            <a:off x="3062860" y="5307112"/>
             <a:ext cx="845127" cy="648988"/>
             <a:chOff x="3804623" y="931514"/>
             <a:chExt cx="4311631" cy="3283920"/>
@@ -6903,7 +6817,7 @@
         </p:nvGrpSpPr>
         <p:grpSpPr>
           <a:xfrm>
-            <a:off x="1945385" y="5582999"/>
+            <a:off x="1962984" y="5280994"/>
             <a:ext cx="845127" cy="648988"/>
             <a:chOff x="3804623" y="931514"/>
             <a:chExt cx="4311631" cy="3283920"/>
@@ -7194,183 +7108,6 @@
           </p:spPr>
         </p:cxnSp>
       </p:grpSp>
-      <p:cxnSp>
-        <p:nvCxnSpPr>
-          <p:cNvPr id="1024" name="Conector reto 1023"/>
-          <p:cNvCxnSpPr>
-            <a:stCxn id="108" idx="2"/>
-          </p:cNvCxnSpPr>
-          <p:nvPr/>
-        </p:nvCxnSpPr>
-        <p:spPr>
-          <a:xfrm flipH="1">
-            <a:off x="2365662" y="4792463"/>
-            <a:ext cx="726" cy="422487"/>
-          </a:xfrm>
-          <a:prstGeom prst="line">
-            <a:avLst/>
-          </a:prstGeom>
-          <a:ln w="38100">
-            <a:solidFill>
-              <a:schemeClr val="bg1"/>
-            </a:solidFill>
-          </a:ln>
-        </p:spPr>
-        <p:style>
-          <a:lnRef idx="1">
-            <a:schemeClr val="accent1"/>
-          </a:lnRef>
-          <a:fillRef idx="0">
-            <a:schemeClr val="accent1"/>
-          </a:fillRef>
-          <a:effectRef idx="0">
-            <a:schemeClr val="accent1"/>
-          </a:effectRef>
-          <a:fontRef idx="minor">
-            <a:schemeClr val="tx1"/>
-          </a:fontRef>
-        </p:style>
-      </p:cxnSp>
-      <p:cxnSp>
-        <p:nvCxnSpPr>
-          <p:cNvPr id="1029" name="Conector reto 1028"/>
-          <p:cNvCxnSpPr/>
-          <p:nvPr/>
-        </p:nvCxnSpPr>
-        <p:spPr>
-          <a:xfrm>
-            <a:off x="1264603" y="5214950"/>
-            <a:ext cx="2164954" cy="0"/>
-          </a:xfrm>
-          <a:prstGeom prst="line">
-            <a:avLst/>
-          </a:prstGeom>
-          <a:ln w="38100">
-            <a:solidFill>
-              <a:schemeClr val="bg1"/>
-            </a:solidFill>
-          </a:ln>
-        </p:spPr>
-        <p:style>
-          <a:lnRef idx="1">
-            <a:schemeClr val="accent1"/>
-          </a:lnRef>
-          <a:fillRef idx="0">
-            <a:schemeClr val="accent1"/>
-          </a:fillRef>
-          <a:effectRef idx="0">
-            <a:schemeClr val="accent1"/>
-          </a:effectRef>
-          <a:fontRef idx="minor">
-            <a:schemeClr val="tx1"/>
-          </a:fontRef>
-        </p:style>
-      </p:cxnSp>
-      <p:cxnSp>
-        <p:nvCxnSpPr>
-          <p:cNvPr id="1033" name="Conector reto 1032"/>
-          <p:cNvCxnSpPr/>
-          <p:nvPr/>
-        </p:nvCxnSpPr>
-        <p:spPr>
-          <a:xfrm>
-            <a:off x="1285574" y="5211392"/>
-            <a:ext cx="349" cy="372819"/>
-          </a:xfrm>
-          <a:prstGeom prst="line">
-            <a:avLst/>
-          </a:prstGeom>
-          <a:ln w="38100">
-            <a:solidFill>
-              <a:schemeClr val="bg1"/>
-            </a:solidFill>
-          </a:ln>
-        </p:spPr>
-        <p:style>
-          <a:lnRef idx="1">
-            <a:schemeClr val="accent1"/>
-          </a:lnRef>
-          <a:fillRef idx="0">
-            <a:schemeClr val="accent1"/>
-          </a:fillRef>
-          <a:effectRef idx="0">
-            <a:schemeClr val="accent1"/>
-          </a:effectRef>
-          <a:fontRef idx="minor">
-            <a:schemeClr val="tx1"/>
-          </a:fontRef>
-        </p:style>
-      </p:cxnSp>
-      <p:cxnSp>
-        <p:nvCxnSpPr>
-          <p:cNvPr id="142" name="Conector reto 141"/>
-          <p:cNvCxnSpPr/>
-          <p:nvPr/>
-        </p:nvCxnSpPr>
-        <p:spPr>
-          <a:xfrm>
-            <a:off x="3411709" y="5226398"/>
-            <a:ext cx="349" cy="372819"/>
-          </a:xfrm>
-          <a:prstGeom prst="line">
-            <a:avLst/>
-          </a:prstGeom>
-          <a:ln w="38100">
-            <a:solidFill>
-              <a:schemeClr val="bg1"/>
-            </a:solidFill>
-          </a:ln>
-        </p:spPr>
-        <p:style>
-          <a:lnRef idx="1">
-            <a:schemeClr val="accent1"/>
-          </a:lnRef>
-          <a:fillRef idx="0">
-            <a:schemeClr val="accent1"/>
-          </a:fillRef>
-          <a:effectRef idx="0">
-            <a:schemeClr val="accent1"/>
-          </a:effectRef>
-          <a:fontRef idx="minor">
-            <a:schemeClr val="tx1"/>
-          </a:fontRef>
-        </p:style>
-      </p:cxnSp>
-      <p:cxnSp>
-        <p:nvCxnSpPr>
-          <p:cNvPr id="143" name="Conector reto 142"/>
-          <p:cNvCxnSpPr/>
-          <p:nvPr/>
-        </p:nvCxnSpPr>
-        <p:spPr>
-          <a:xfrm>
-            <a:off x="2364144" y="5178822"/>
-            <a:ext cx="349" cy="372819"/>
-          </a:xfrm>
-          <a:prstGeom prst="line">
-            <a:avLst/>
-          </a:prstGeom>
-          <a:ln w="38100">
-            <a:solidFill>
-              <a:schemeClr val="bg1"/>
-            </a:solidFill>
-          </a:ln>
-        </p:spPr>
-        <p:style>
-          <a:lnRef idx="1">
-            <a:schemeClr val="accent1"/>
-          </a:lnRef>
-          <a:fillRef idx="0">
-            <a:schemeClr val="accent1"/>
-          </a:fillRef>
-          <a:effectRef idx="0">
-            <a:schemeClr val="accent1"/>
-          </a:effectRef>
-          <a:fontRef idx="minor">
-            <a:schemeClr val="tx1"/>
-          </a:fontRef>
-        </p:style>
-      </p:cxnSp>
       <p:grpSp>
         <p:nvGrpSpPr>
           <p:cNvPr id="159" name="Google Shape;6585;p65"/>
@@ -7379,7 +7116,7 @@
         </p:nvGrpSpPr>
         <p:grpSpPr>
           <a:xfrm>
-            <a:off x="1112346" y="5707312"/>
+            <a:off x="1129945" y="5405307"/>
             <a:ext cx="299971" cy="283001"/>
             <a:chOff x="-49048250" y="2316775"/>
             <a:chExt cx="300100" cy="300125"/>
@@ -7867,7 +7604,7 @@
         </p:nvGrpSpPr>
         <p:grpSpPr>
           <a:xfrm>
-            <a:off x="2219954" y="5705470"/>
+            <a:off x="2237553" y="5403465"/>
             <a:ext cx="299971" cy="283001"/>
             <a:chOff x="-49048250" y="2316775"/>
             <a:chExt cx="300100" cy="300125"/>
@@ -8355,7 +8092,7 @@
         </p:nvGrpSpPr>
         <p:grpSpPr>
           <a:xfrm>
-            <a:off x="3314858" y="5728829"/>
+            <a:off x="3332457" y="5426824"/>
             <a:ext cx="299971" cy="283001"/>
             <a:chOff x="-49048250" y="2316775"/>
             <a:chExt cx="300100" cy="300125"/>
@@ -10497,6 +10234,12 @@
 </file>
 
 <file path=customXml/item1.xml><?xml version="1.0" encoding="utf-8"?>
+<p:properties xmlns:p="http://schemas.microsoft.com/office/2006/metadata/properties" xmlns:xsi="http://www.w3.org/2001/XMLSchema-instance" xmlns:pc="http://schemas.microsoft.com/office/infopath/2007/PartnerControls">
+  <documentManagement/>
+</p:properties>
+</file>
+
+<file path=customXml/item2.xml><?xml version="1.0" encoding="utf-8"?>
 <ct:contentTypeSchema xmlns:ct="http://schemas.microsoft.com/office/2006/metadata/contentType" xmlns:ma="http://schemas.microsoft.com/office/2006/metadata/properties/metaAttributes" ct:_="" ma:_="" ma:contentTypeName="Document" ma:contentTypeID="0x010100A663B016B9E10D44AF2D6A2076639652" ma:contentTypeVersion="7" ma:contentTypeDescription="Create a new document." ma:contentTypeScope="" ma:versionID="da41f6e1119241f41e66be91ec9fc4f4">
   <xsd:schema xmlns:xsd="http://www.w3.org/2001/XMLSchema" xmlns:xs="http://www.w3.org/2001/XMLSchema" xmlns:p="http://schemas.microsoft.com/office/2006/metadata/properties" xmlns:ns3="1f168f81-3f83-4b33-9f0c-ec152bce3f98" targetNamespace="http://schemas.microsoft.com/office/2006/metadata/properties" ma:root="true" ma:fieldsID="cf0ef0de81a620ba18a7f3a6a175827b" ns3:_="">
     <xsd:import namespace="1f168f81-3f83-4b33-9f0c-ec152bce3f98"/>
@@ -10660,12 +10403,6 @@
 </ct:contentTypeSchema>
 </file>
 
-<file path=customXml/item2.xml><?xml version="1.0" encoding="utf-8"?>
-<p:properties xmlns:p="http://schemas.microsoft.com/office/2006/metadata/properties" xmlns:xsi="http://www.w3.org/2001/XMLSchema-instance" xmlns:pc="http://schemas.microsoft.com/office/infopath/2007/PartnerControls">
-  <documentManagement/>
-</p:properties>
-</file>
-
 <file path=customXml/item3.xml><?xml version="1.0" encoding="utf-8"?>
 <?mso-contentType ?>
 <FormTemplates xmlns="http://schemas.microsoft.com/sharepoint/v3/contenttype/forms">
@@ -10676,6 +10413,22 @@
 </file>
 
 <file path=customXml/itemProps1.xml><?xml version="1.0" encoding="utf-8"?>
+<ds:datastoreItem xmlns:ds="http://schemas.openxmlformats.org/officeDocument/2006/customXml" ds:itemID="{031EFB4E-1A59-433A-AB84-24F0D313C24B}">
+  <ds:schemaRefs>
+    <ds:schemaRef ds:uri="1f168f81-3f83-4b33-9f0c-ec152bce3f98"/>
+    <ds:schemaRef ds:uri="http://purl.org/dc/elements/1.1/"/>
+    <ds:schemaRef ds:uri="http://purl.org/dc/dcmitype/"/>
+    <ds:schemaRef ds:uri="http://schemas.openxmlformats.org/package/2006/metadata/core-properties"/>
+    <ds:schemaRef ds:uri="http://schemas.microsoft.com/office/infopath/2007/PartnerControls"/>
+    <ds:schemaRef ds:uri="http://schemas.microsoft.com/office/2006/documentManagement/types"/>
+    <ds:schemaRef ds:uri="http://schemas.microsoft.com/office/2006/metadata/properties"/>
+    <ds:schemaRef ds:uri="http://www.w3.org/XML/1998/namespace"/>
+    <ds:schemaRef ds:uri="http://purl.org/dc/terms/"/>
+  </ds:schemaRefs>
+</ds:datastoreItem>
+</file>
+
+<file path=customXml/itemProps2.xml><?xml version="1.0" encoding="utf-8"?>
 <ds:datastoreItem xmlns:ds="http://schemas.openxmlformats.org/officeDocument/2006/customXml" ds:itemID="{5548295E-C595-4C43-B4FE-A2F1D5D1A727}">
   <ds:schemaRefs>
     <ds:schemaRef ds:uri="http://schemas.microsoft.com/office/2006/metadata/contentType"/>
@@ -10693,22 +10446,6 @@
 </ds:datastoreItem>
 </file>
 
-<file path=customXml/itemProps2.xml><?xml version="1.0" encoding="utf-8"?>
-<ds:datastoreItem xmlns:ds="http://schemas.openxmlformats.org/officeDocument/2006/customXml" ds:itemID="{031EFB4E-1A59-433A-AB84-24F0D313C24B}">
-  <ds:schemaRefs>
-    <ds:schemaRef ds:uri="1f168f81-3f83-4b33-9f0c-ec152bce3f98"/>
-    <ds:schemaRef ds:uri="http://schemas.microsoft.com/office/2006/documentManagement/types"/>
-    <ds:schemaRef ds:uri="http://purl.org/dc/dcmitype/"/>
-    <ds:schemaRef ds:uri="http://purl.org/dc/elements/1.1/"/>
-    <ds:schemaRef ds:uri="http://www.w3.org/XML/1998/namespace"/>
-    <ds:schemaRef ds:uri="http://schemas.openxmlformats.org/package/2006/metadata/core-properties"/>
-    <ds:schemaRef ds:uri="http://purl.org/dc/terms/"/>
-    <ds:schemaRef ds:uri="http://schemas.microsoft.com/office/infopath/2007/PartnerControls"/>
-    <ds:schemaRef ds:uri="http://schemas.microsoft.com/office/2006/metadata/properties"/>
-  </ds:schemaRefs>
-</ds:datastoreItem>
-</file>
-
 <file path=customXml/itemProps3.xml><?xml version="1.0" encoding="utf-8"?>
 <ds:datastoreItem xmlns:ds="http://schemas.openxmlformats.org/officeDocument/2006/customXml" ds:itemID="{B594AAA9-4E5D-4F08-B67F-E205B40B6E6B}">
   <ds:schemaRefs>
